--- a/week 3/Slides/03-1 EMAT10007_Loops.pptx
+++ b/week 3/Slides/03-1 EMAT10007_Loops.pptx
@@ -5,24 +5,26 @@
     <p:sldMasterId id="2147483648" r:id="rId1"/>
   </p:sldMasterIdLst>
   <p:notesMasterIdLst>
-    <p:notesMasterId r:id="rId17"/>
+    <p:notesMasterId r:id="rId19"/>
   </p:notesMasterIdLst>
   <p:sldIdLst>
     <p:sldId id="270" r:id="rId2"/>
-    <p:sldId id="257" r:id="rId3"/>
-    <p:sldId id="258" r:id="rId4"/>
-    <p:sldId id="284" r:id="rId5"/>
-    <p:sldId id="259" r:id="rId6"/>
-    <p:sldId id="271" r:id="rId7"/>
-    <p:sldId id="261" r:id="rId8"/>
-    <p:sldId id="263" r:id="rId9"/>
-    <p:sldId id="265" r:id="rId10"/>
-    <p:sldId id="285" r:id="rId11"/>
-    <p:sldId id="276" r:id="rId12"/>
-    <p:sldId id="281" r:id="rId13"/>
-    <p:sldId id="282" r:id="rId14"/>
-    <p:sldId id="283" r:id="rId15"/>
-    <p:sldId id="275" r:id="rId16"/>
+    <p:sldId id="286" r:id="rId3"/>
+    <p:sldId id="257" r:id="rId4"/>
+    <p:sldId id="258" r:id="rId5"/>
+    <p:sldId id="284" r:id="rId6"/>
+    <p:sldId id="259" r:id="rId7"/>
+    <p:sldId id="271" r:id="rId8"/>
+    <p:sldId id="261" r:id="rId9"/>
+    <p:sldId id="263" r:id="rId10"/>
+    <p:sldId id="287" r:id="rId11"/>
+    <p:sldId id="265" r:id="rId12"/>
+    <p:sldId id="285" r:id="rId13"/>
+    <p:sldId id="276" r:id="rId14"/>
+    <p:sldId id="281" r:id="rId15"/>
+    <p:sldId id="282" r:id="rId16"/>
+    <p:sldId id="283" r:id="rId17"/>
+    <p:sldId id="275" r:id="rId18"/>
   </p:sldIdLst>
   <p:sldSz cx="13004800" cy="9753600"/>
   <p:notesSz cx="6858000" cy="9144000"/>
@@ -3360,6 +3362,678 @@
           <a:chExt cx="0" cy="0"/>
         </a:xfrm>
       </p:grpSpPr>
+      <p:sp>
+        <p:nvSpPr>
+          <p:cNvPr id="119" name="Introduction to Computer Programming Lecture 2:…"/>
+          <p:cNvSpPr txBox="1">
+            <a:spLocks noGrp="1"/>
+          </p:cNvSpPr>
+          <p:nvPr>
+            <p:ph type="ctrTitle"/>
+          </p:nvPr>
+        </p:nvSpPr>
+        <p:spPr>
+          <a:xfrm>
+            <a:off x="2730501" y="2016123"/>
+            <a:ext cx="7848601" cy="2476500"/>
+          </a:xfrm>
+          <a:prstGeom prst="rect">
+            <a:avLst/>
+          </a:prstGeom>
+        </p:spPr>
+        <p:txBody>
+          <a:bodyPr>
+            <a:normAutofit fontScale="90000"/>
+          </a:bodyPr>
+          <a:lstStyle/>
+          <a:p>
+            <a:pPr defTabSz="227836">
+              <a:defRPr sz="4160"/>
+            </a:pPr>
+            <a:r>
+              <a:rPr dirty="0"/>
+              <a:t>Introduction to Computer Programming Lecture </a:t>
+            </a:r>
+            <a:r>
+              <a:rPr lang="en-GB" dirty="0" smtClean="0"/>
+              <a:t>3.1.b</a:t>
+            </a:r>
+            <a:r>
+              <a:rPr dirty="0" smtClean="0"/>
+              <a:t>:</a:t>
+            </a:r>
+            <a:endParaRPr dirty="0"/>
+          </a:p>
+          <a:p>
+            <a:pPr defTabSz="227836">
+              <a:defRPr sz="4160"/>
+            </a:pPr>
+            <a:r>
+              <a:rPr dirty="0"/>
+              <a:t> </a:t>
+            </a:r>
+            <a:endParaRPr dirty="0" smtClean="0"/>
+          </a:p>
+          <a:p>
+            <a:pPr defTabSz="227836">
+              <a:defRPr sz="4160" b="1">
+                <a:latin typeface="Helvetica"/>
+                <a:ea typeface="Helvetica"/>
+                <a:cs typeface="Helvetica"/>
+                <a:sym typeface="Helvetica"/>
+              </a:defRPr>
+            </a:pPr>
+            <a:r>
+              <a:rPr lang="en-GB" dirty="0" smtClean="0"/>
+              <a:t>While</a:t>
+            </a:r>
+            <a:r>
+              <a:rPr lang="en-GB" dirty="0" smtClean="0"/>
+              <a:t> Loops, Break &amp; Continue</a:t>
+            </a:r>
+            <a:endParaRPr dirty="0"/>
+          </a:p>
+        </p:txBody>
+      </p:sp>
+      <p:sp>
+        <p:nvSpPr>
+          <p:cNvPr id="120" name="Department of Engineering Mathematics"/>
+          <p:cNvSpPr txBox="1"/>
+          <p:nvPr/>
+        </p:nvSpPr>
+        <p:spPr>
+          <a:xfrm>
+            <a:off x="2578101" y="5499100"/>
+            <a:ext cx="7848601" cy="847726"/>
+          </a:xfrm>
+          <a:prstGeom prst="rect">
+            <a:avLst/>
+          </a:prstGeom>
+          <a:ln w="12700">
+            <a:miter lim="400000"/>
+          </a:ln>
+          <a:extLst>
+            <a:ext uri="{C572A759-6A51-4108-AA02-DFA0A04FC94B}">
+              <ma14:wrappingTextBoxFlag xmlns:ma14="http://schemas.microsoft.com/office/mac/drawingml/2011/main" val="1"/>
+            </a:ext>
+          </a:extLst>
+        </p:spPr>
+        <p:txBody>
+          <a:bodyPr lIns="38100" tIns="38100" rIns="38100" bIns="38100">
+            <a:normAutofit/>
+          </a:bodyPr>
+          <a:lstStyle/>
+          <a:p>
+            <a:pPr defTabSz="236600">
+              <a:defRPr sz="2268"/>
+            </a:pPr>
+            <a:r>
+              <a:rPr sz="1701" dirty="0"/>
+              <a:t>Department of Engineering Mathematics</a:t>
+            </a:r>
+          </a:p>
+          <a:p>
+            <a:pPr defTabSz="236600">
+              <a:defRPr sz="2268"/>
+            </a:pPr>
+            <a:endParaRPr sz="1701" dirty="0"/>
+          </a:p>
+        </p:txBody>
+      </p:sp>
+      <p:sp>
+        <p:nvSpPr>
+          <p:cNvPr id="122" name="Helmut Hauser"/>
+          <p:cNvSpPr txBox="1"/>
+          <p:nvPr/>
+        </p:nvSpPr>
+        <p:spPr>
+          <a:xfrm>
+            <a:off x="2730501" y="4995862"/>
+            <a:ext cx="7848601" cy="847725"/>
+          </a:xfrm>
+          <a:prstGeom prst="rect">
+            <a:avLst/>
+          </a:prstGeom>
+          <a:ln w="12700">
+            <a:miter lim="400000"/>
+          </a:ln>
+          <a:extLst>
+            <a:ext uri="{C572A759-6A51-4108-AA02-DFA0A04FC94B}">
+              <ma14:wrappingTextBoxFlag xmlns:ma14="http://schemas.microsoft.com/office/mac/drawingml/2011/main" val="1"/>
+            </a:ext>
+          </a:extLst>
+        </p:spPr>
+        <p:txBody>
+          <a:bodyPr lIns="38100" tIns="38100" rIns="38100" bIns="38100">
+            <a:normAutofit/>
+          </a:bodyPr>
+          <a:lstStyle/>
+          <a:p>
+            <a:pPr defTabSz="236600">
+              <a:defRPr sz="3294"/>
+            </a:pPr>
+            <a:r>
+              <a:rPr lang="en-GB" sz="2470" dirty="0"/>
+              <a:t>Hemma Philamore </a:t>
+            </a:r>
+            <a:endParaRPr sz="2470" dirty="0"/>
+          </a:p>
+          <a:p>
+            <a:pPr defTabSz="236600">
+              <a:defRPr sz="1728"/>
+            </a:pPr>
+            <a:endParaRPr sz="1296" dirty="0"/>
+          </a:p>
+        </p:txBody>
+      </p:sp>
+    </p:spTree>
+    <p:extLst>
+      <p:ext uri="{BB962C8B-B14F-4D97-AF65-F5344CB8AC3E}">
+        <p14:creationId xmlns:p14="http://schemas.microsoft.com/office/powerpoint/2010/main" val="22216362"/>
+      </p:ext>
+    </p:extLst>
+  </p:cSld>
+  <p:clrMapOvr>
+    <a:masterClrMapping/>
+  </p:clrMapOvr>
+  <p:transition spd="med"/>
+</p:sld>
+</file>
+
+<file path=ppt/slides/slide11.xml><?xml version="1.0" encoding="utf-8"?>
+<p:sld xmlns:a="http://schemas.openxmlformats.org/drawingml/2006/main" xmlns:r="http://schemas.openxmlformats.org/officeDocument/2006/relationships" xmlns:p="http://schemas.openxmlformats.org/presentationml/2006/main">
+  <p:cSld>
+    <p:spTree>
+      <p:nvGrpSpPr>
+        <p:cNvPr id="1" name=""/>
+        <p:cNvGrpSpPr/>
+        <p:nvPr/>
+      </p:nvGrpSpPr>
+      <p:grpSpPr>
+        <a:xfrm>
+          <a:off x="0" y="0"/>
+          <a:ext cx="0" cy="0"/>
+          <a:chOff x="0" y="0"/>
+          <a:chExt cx="0" cy="0"/>
+        </a:xfrm>
+      </p:grpSpPr>
+      <p:pic>
+        <p:nvPicPr>
+          <p:cNvPr id="229" name="Image" descr="Image"/>
+          <p:cNvPicPr>
+            <a:picLocks noChangeAspect="1"/>
+          </p:cNvPicPr>
+          <p:nvPr/>
+        </p:nvPicPr>
+        <p:blipFill>
+          <a:blip r:embed="rId2">
+            <a:extLst/>
+          </a:blip>
+          <a:stretch>
+            <a:fillRect/>
+          </a:stretch>
+        </p:blipFill>
+        <p:spPr>
+          <a:xfrm>
+            <a:off x="3257021" y="4040196"/>
+            <a:ext cx="4821022" cy="2859618"/>
+          </a:xfrm>
+          <a:prstGeom prst="rect">
+            <a:avLst/>
+          </a:prstGeom>
+          <a:ln w="12700">
+            <a:miter lim="400000"/>
+          </a:ln>
+        </p:spPr>
+      </p:pic>
+      <p:sp>
+        <p:nvSpPr>
+          <p:cNvPr id="230" name="While Loop"/>
+          <p:cNvSpPr txBox="1">
+            <a:spLocks noGrp="1"/>
+          </p:cNvSpPr>
+          <p:nvPr>
+            <p:ph type="title"/>
+          </p:nvPr>
+        </p:nvSpPr>
+        <p:spPr>
+          <a:prstGeom prst="rect">
+            <a:avLst/>
+          </a:prstGeom>
+        </p:spPr>
+        <p:txBody>
+          <a:bodyPr/>
+          <a:lstStyle/>
+          <a:p>
+            <a:r>
+              <a:t>While Loop</a:t>
+            </a:r>
+          </a:p>
+        </p:txBody>
+      </p:sp>
+      <p:sp>
+        <p:nvSpPr>
+          <p:cNvPr id="12" name="Rounded Rectangle"/>
+          <p:cNvSpPr/>
+          <p:nvPr/>
+        </p:nvSpPr>
+        <p:spPr>
+          <a:xfrm>
+            <a:off x="4407871" y="4702931"/>
+            <a:ext cx="2192955" cy="452834"/>
+          </a:xfrm>
+          <a:prstGeom prst="roundRect">
+            <a:avLst>
+              <a:gd name="adj" fmla="val 33774"/>
+            </a:avLst>
+          </a:prstGeom>
+          <a:noFill/>
+          <a:ln w="38100" cap="flat">
+            <a:solidFill>
+              <a:schemeClr val="accent2"/>
+            </a:solidFill>
+            <a:prstDash val="solid"/>
+            <a:miter lim="400000"/>
+          </a:ln>
+          <a:effectLst>
+            <a:outerShdw blurRad="38100" dist="25400" dir="5400000" rotWithShape="0">
+              <a:srgbClr val="000000">
+                <a:alpha val="50000"/>
+              </a:srgbClr>
+            </a:outerShdw>
+          </a:effectLst>
+        </p:spPr>
+        <p:txBody>
+          <a:bodyPr wrap="square" lIns="35719" tIns="35719" rIns="35719" bIns="35719" numCol="1" anchor="ctr">
+            <a:noAutofit/>
+          </a:bodyPr>
+          <a:lstStyle/>
+          <a:p>
+            <a:pPr>
+              <a:defRPr sz="2400">
+                <a:solidFill>
+                  <a:srgbClr val="FFFFFF"/>
+                </a:solidFill>
+              </a:defRPr>
+            </a:pPr>
+            <a:endParaRPr sz="1687"/>
+          </a:p>
+        </p:txBody>
+      </p:sp>
+      <p:sp>
+        <p:nvSpPr>
+          <p:cNvPr id="13" name="TextBox 12"/>
+          <p:cNvSpPr txBox="1"/>
+          <p:nvPr/>
+        </p:nvSpPr>
+        <p:spPr>
+          <a:xfrm>
+            <a:off x="5605322" y="3529034"/>
+            <a:ext cx="1991007" cy="707886"/>
+          </a:xfrm>
+          <a:prstGeom prst="rect">
+            <a:avLst/>
+          </a:prstGeom>
+          <a:noFill/>
+        </p:spPr>
+        <p:txBody>
+          <a:bodyPr wrap="square" rtlCol="0">
+            <a:spAutoFit/>
+          </a:bodyPr>
+          <a:lstStyle/>
+          <a:p>
+            <a:pPr algn="l"/>
+            <a:r>
+              <a:rPr lang="en-US" sz="2000" b="1" i="1" smtClean="0">
+                <a:solidFill>
+                  <a:schemeClr val="accent2"/>
+                </a:solidFill>
+              </a:rPr>
+              <a:t>Condition when to stop</a:t>
+            </a:r>
+            <a:endParaRPr lang="en-US" sz="2000" b="1" i="1" dirty="0">
+              <a:solidFill>
+                <a:schemeClr val="accent2"/>
+              </a:solidFill>
+            </a:endParaRPr>
+          </a:p>
+        </p:txBody>
+      </p:sp>
+      <p:cxnSp>
+        <p:nvCxnSpPr>
+          <p:cNvPr id="14" name="Straight Arrow Connector 13"/>
+          <p:cNvCxnSpPr/>
+          <p:nvPr/>
+        </p:nvCxnSpPr>
+        <p:spPr>
+          <a:xfrm flipH="1">
+            <a:off x="5390178" y="4189622"/>
+            <a:ext cx="277354" cy="494991"/>
+          </a:xfrm>
+          <a:prstGeom prst="straightConnector1">
+            <a:avLst/>
+          </a:prstGeom>
+          <a:ln>
+            <a:solidFill>
+              <a:schemeClr val="accent2"/>
+            </a:solidFill>
+            <a:tailEnd type="triangle"/>
+          </a:ln>
+        </p:spPr>
+        <p:style>
+          <a:lnRef idx="1">
+            <a:schemeClr val="accent1"/>
+          </a:lnRef>
+          <a:fillRef idx="0">
+            <a:schemeClr val="accent1"/>
+          </a:fillRef>
+          <a:effectRef idx="0">
+            <a:schemeClr val="accent1"/>
+          </a:effectRef>
+          <a:fontRef idx="minor">
+            <a:schemeClr val="tx1"/>
+          </a:fontRef>
+        </p:style>
+      </p:cxnSp>
+      <p:sp>
+        <p:nvSpPr>
+          <p:cNvPr id="15" name="Rounded Rectangle"/>
+          <p:cNvSpPr/>
+          <p:nvPr/>
+        </p:nvSpPr>
+        <p:spPr>
+          <a:xfrm>
+            <a:off x="3647911" y="5666927"/>
+            <a:ext cx="3124365" cy="452834"/>
+          </a:xfrm>
+          <a:prstGeom prst="roundRect">
+            <a:avLst>
+              <a:gd name="adj" fmla="val 33774"/>
+            </a:avLst>
+          </a:prstGeom>
+          <a:noFill/>
+          <a:ln w="38100" cap="flat">
+            <a:solidFill>
+              <a:schemeClr val="accent2"/>
+            </a:solidFill>
+            <a:prstDash val="solid"/>
+            <a:miter lim="400000"/>
+          </a:ln>
+          <a:effectLst>
+            <a:outerShdw blurRad="38100" dist="25400" dir="5400000" rotWithShape="0">
+              <a:srgbClr val="000000">
+                <a:alpha val="50000"/>
+              </a:srgbClr>
+            </a:outerShdw>
+          </a:effectLst>
+        </p:spPr>
+        <p:txBody>
+          <a:bodyPr wrap="square" lIns="35719" tIns="35719" rIns="35719" bIns="35719" numCol="1" anchor="ctr">
+            <a:noAutofit/>
+          </a:bodyPr>
+          <a:lstStyle/>
+          <a:p>
+            <a:pPr>
+              <a:defRPr sz="2400">
+                <a:solidFill>
+                  <a:srgbClr val="FFFFFF"/>
+                </a:solidFill>
+              </a:defRPr>
+            </a:pPr>
+            <a:endParaRPr sz="1687"/>
+          </a:p>
+        </p:txBody>
+      </p:sp>
+      <p:cxnSp>
+        <p:nvCxnSpPr>
+          <p:cNvPr id="16" name="Straight Arrow Connector 15"/>
+          <p:cNvCxnSpPr/>
+          <p:nvPr/>
+        </p:nvCxnSpPr>
+        <p:spPr>
+          <a:xfrm flipH="1">
+            <a:off x="6768271" y="5245524"/>
+            <a:ext cx="277354" cy="494991"/>
+          </a:xfrm>
+          <a:prstGeom prst="straightConnector1">
+            <a:avLst/>
+          </a:prstGeom>
+          <a:ln>
+            <a:solidFill>
+              <a:schemeClr val="accent2"/>
+            </a:solidFill>
+            <a:tailEnd type="triangle"/>
+          </a:ln>
+        </p:spPr>
+        <p:style>
+          <a:lnRef idx="1">
+            <a:schemeClr val="accent1"/>
+          </a:lnRef>
+          <a:fillRef idx="0">
+            <a:schemeClr val="accent1"/>
+          </a:fillRef>
+          <a:effectRef idx="0">
+            <a:schemeClr val="accent1"/>
+          </a:effectRef>
+          <a:fontRef idx="minor">
+            <a:schemeClr val="tx1"/>
+          </a:fontRef>
+        </p:style>
+      </p:cxnSp>
+      <p:sp>
+        <p:nvSpPr>
+          <p:cNvPr id="17" name="TextBox 16"/>
+          <p:cNvSpPr txBox="1"/>
+          <p:nvPr/>
+        </p:nvSpPr>
+        <p:spPr>
+          <a:xfrm>
+            <a:off x="6961787" y="4537638"/>
+            <a:ext cx="2696048" cy="1323439"/>
+          </a:xfrm>
+          <a:prstGeom prst="rect">
+            <a:avLst/>
+          </a:prstGeom>
+          <a:noFill/>
+        </p:spPr>
+        <p:txBody>
+          <a:bodyPr wrap="square" rtlCol="0">
+            <a:spAutoFit/>
+          </a:bodyPr>
+          <a:lstStyle/>
+          <a:p>
+            <a:pPr algn="l"/>
+            <a:r>
+              <a:rPr lang="en-US" sz="2000" b="1" i="1" dirty="0" smtClean="0">
+                <a:solidFill>
+                  <a:schemeClr val="accent2"/>
+                </a:solidFill>
+              </a:rPr>
+              <a:t>Needs </a:t>
+            </a:r>
+            <a:r>
+              <a:rPr lang="en-US" sz="2000" b="1" i="1" dirty="0">
+                <a:solidFill>
+                  <a:schemeClr val="accent2"/>
+                </a:solidFill>
+              </a:rPr>
+              <a:t>to include changes </a:t>
+            </a:r>
+            <a:r>
+              <a:rPr lang="en-US" sz="2000" b="1" i="1" dirty="0" smtClean="0">
+                <a:solidFill>
+                  <a:schemeClr val="accent2"/>
+                </a:solidFill>
+              </a:rPr>
+              <a:t>such that </a:t>
+            </a:r>
+            <a:r>
+              <a:rPr lang="en-US" sz="2000" b="1" i="1" dirty="0">
+                <a:solidFill>
+                  <a:schemeClr val="accent2"/>
+                </a:solidFill>
+              </a:rPr>
+              <a:t>condition eventually can be met</a:t>
+            </a:r>
+          </a:p>
+        </p:txBody>
+      </p:sp>
+      <p:sp>
+        <p:nvSpPr>
+          <p:cNvPr id="10" name="Rounded Rectangle"/>
+          <p:cNvSpPr/>
+          <p:nvPr/>
+        </p:nvSpPr>
+        <p:spPr>
+          <a:xfrm>
+            <a:off x="3257021" y="4692387"/>
+            <a:ext cx="1150850" cy="452834"/>
+          </a:xfrm>
+          <a:prstGeom prst="roundRect">
+            <a:avLst>
+              <a:gd name="adj" fmla="val 33774"/>
+            </a:avLst>
+          </a:prstGeom>
+          <a:noFill/>
+          <a:ln w="38100" cap="flat">
+            <a:solidFill>
+              <a:schemeClr val="accent2"/>
+            </a:solidFill>
+            <a:prstDash val="solid"/>
+            <a:miter lim="400000"/>
+          </a:ln>
+          <a:effectLst>
+            <a:outerShdw blurRad="38100" dist="25400" dir="5400000" rotWithShape="0">
+              <a:srgbClr val="000000">
+                <a:alpha val="50000"/>
+              </a:srgbClr>
+            </a:outerShdw>
+          </a:effectLst>
+        </p:spPr>
+        <p:txBody>
+          <a:bodyPr wrap="square" lIns="35719" tIns="35719" rIns="35719" bIns="35719" numCol="1" anchor="ctr">
+            <a:noAutofit/>
+          </a:bodyPr>
+          <a:lstStyle/>
+          <a:p>
+            <a:pPr>
+              <a:defRPr sz="2400">
+                <a:solidFill>
+                  <a:srgbClr val="FFFFFF"/>
+                </a:solidFill>
+              </a:defRPr>
+            </a:pPr>
+            <a:endParaRPr sz="1687"/>
+          </a:p>
+        </p:txBody>
+      </p:sp>
+      <p:sp>
+        <p:nvSpPr>
+          <p:cNvPr id="11" name="TextBox 10"/>
+          <p:cNvSpPr txBox="1"/>
+          <p:nvPr/>
+        </p:nvSpPr>
+        <p:spPr>
+          <a:xfrm>
+            <a:off x="-123989" y="4170681"/>
+            <a:ext cx="3771900" cy="400110"/>
+          </a:xfrm>
+          <a:prstGeom prst="rect">
+            <a:avLst/>
+          </a:prstGeom>
+          <a:noFill/>
+        </p:spPr>
+        <p:txBody>
+          <a:bodyPr wrap="square" rtlCol="0">
+            <a:spAutoFit/>
+          </a:bodyPr>
+          <a:lstStyle/>
+          <a:p>
+            <a:r>
+              <a:rPr lang="en-US" sz="2000" b="1" i="1" dirty="0" smtClean="0">
+                <a:solidFill>
+                  <a:schemeClr val="accent2"/>
+                </a:solidFill>
+              </a:rPr>
+              <a:t>Keyword ‘while’</a:t>
+            </a:r>
+            <a:endParaRPr lang="en-US" sz="2000" b="1" i="1" dirty="0">
+              <a:solidFill>
+                <a:schemeClr val="accent2"/>
+              </a:solidFill>
+            </a:endParaRPr>
+          </a:p>
+        </p:txBody>
+      </p:sp>
+      <p:cxnSp>
+        <p:nvCxnSpPr>
+          <p:cNvPr id="18" name="Straight Arrow Connector 17"/>
+          <p:cNvCxnSpPr/>
+          <p:nvPr/>
+        </p:nvCxnSpPr>
+        <p:spPr>
+          <a:xfrm>
+            <a:off x="2623092" y="4479968"/>
+            <a:ext cx="569362" cy="335697"/>
+          </a:xfrm>
+          <a:prstGeom prst="straightConnector1">
+            <a:avLst/>
+          </a:prstGeom>
+          <a:ln>
+            <a:solidFill>
+              <a:schemeClr val="accent2"/>
+            </a:solidFill>
+            <a:tailEnd type="triangle"/>
+          </a:ln>
+        </p:spPr>
+        <p:style>
+          <a:lnRef idx="1">
+            <a:schemeClr val="accent1"/>
+          </a:lnRef>
+          <a:fillRef idx="0">
+            <a:schemeClr val="accent1"/>
+          </a:fillRef>
+          <a:effectRef idx="0">
+            <a:schemeClr val="accent1"/>
+          </a:effectRef>
+          <a:fontRef idx="minor">
+            <a:schemeClr val="tx1"/>
+          </a:fontRef>
+        </p:style>
+      </p:cxnSp>
+    </p:spTree>
+  </p:cSld>
+  <p:clrMapOvr>
+    <a:masterClrMapping/>
+  </p:clrMapOvr>
+  <p:transition spd="slow"/>
+  <p:timing>
+    <p:tnLst>
+      <p:par>
+        <p:cTn id="1" dur="indefinite" restart="never" fill="hold" nodeType="tmRoot"/>
+      </p:par>
+    </p:tnLst>
+  </p:timing>
+</p:sld>
+</file>
+
+<file path=ppt/slides/slide12.xml><?xml version="1.0" encoding="utf-8"?>
+<p:sld xmlns:a="http://schemas.openxmlformats.org/drawingml/2006/main" xmlns:r="http://schemas.openxmlformats.org/officeDocument/2006/relationships" xmlns:p="http://schemas.openxmlformats.org/presentationml/2006/main">
+  <p:cSld>
+    <p:spTree>
+      <p:nvGrpSpPr>
+        <p:cNvPr id="1" name=""/>
+        <p:cNvGrpSpPr/>
+        <p:nvPr/>
+      </p:nvGrpSpPr>
+      <p:grpSpPr>
+        <a:xfrm>
+          <a:off x="0" y="0"/>
+          <a:ext cx="0" cy="0"/>
+          <a:chOff x="0" y="0"/>
+          <a:chExt cx="0" cy="0"/>
+        </a:xfrm>
+      </p:grpSpPr>
       <p:pic>
         <p:nvPicPr>
           <p:cNvPr id="229" name="Image" descr="Image"/>
@@ -3435,7 +4109,7 @@
 </p:sld>
 </file>
 
-<file path=ppt/slides/slide11.xml><?xml version="1.0" encoding="utf-8"?>
+<file path=ppt/slides/slide13.xml><?xml version="1.0" encoding="utf-8"?>
 <p:sld xmlns:a="http://schemas.openxmlformats.org/drawingml/2006/main" xmlns:r="http://schemas.openxmlformats.org/officeDocument/2006/relationships" xmlns:p="http://schemas.openxmlformats.org/presentationml/2006/main">
   <p:cSld>
     <p:spTree>
@@ -3886,7 +4560,7 @@
 </p:sld>
 </file>
 
-<file path=ppt/slides/slide12.xml><?xml version="1.0" encoding="utf-8"?>
+<file path=ppt/slides/slide14.xml><?xml version="1.0" encoding="utf-8"?>
 <p:sld xmlns:a="http://schemas.openxmlformats.org/drawingml/2006/main" xmlns:r="http://schemas.openxmlformats.org/officeDocument/2006/relationships" xmlns:p="http://schemas.openxmlformats.org/presentationml/2006/main">
   <p:cSld>
     <p:spTree>
@@ -4176,7 +4850,7 @@
 </p:sld>
 </file>
 
-<file path=ppt/slides/slide13.xml><?xml version="1.0" encoding="utf-8"?>
+<file path=ppt/slides/slide15.xml><?xml version="1.0" encoding="utf-8"?>
 <p:sld xmlns:a="http://schemas.openxmlformats.org/drawingml/2006/main" xmlns:r="http://schemas.openxmlformats.org/officeDocument/2006/relationships" xmlns:p="http://schemas.openxmlformats.org/presentationml/2006/main">
   <p:cSld>
     <p:spTree>
@@ -4269,7 +4943,7 @@
 </p:sld>
 </file>
 
-<file path=ppt/slides/slide14.xml><?xml version="1.0" encoding="utf-8"?>
+<file path=ppt/slides/slide16.xml><?xml version="1.0" encoding="utf-8"?>
 <p:sld xmlns:a="http://schemas.openxmlformats.org/drawingml/2006/main" xmlns:r="http://schemas.openxmlformats.org/officeDocument/2006/relationships" xmlns:p="http://schemas.openxmlformats.org/presentationml/2006/main">
   <p:cSld>
     <p:spTree>
@@ -4362,7 +5036,7 @@
 </p:sld>
 </file>
 
-<file path=ppt/slides/slide15.xml><?xml version="1.0" encoding="utf-8"?>
+<file path=ppt/slides/slide17.xml><?xml version="1.0" encoding="utf-8"?>
 <p:sld xmlns:a="http://schemas.openxmlformats.org/drawingml/2006/main" xmlns:r="http://schemas.openxmlformats.org/officeDocument/2006/relationships" xmlns:p="http://schemas.openxmlformats.org/presentationml/2006/main">
   <p:cSld>
     <p:spTree>
@@ -4698,6 +5372,196 @@
 </file>
 
 <file path=ppt/slides/slide2.xml><?xml version="1.0" encoding="utf-8"?>
+<p:sld xmlns:a="http://schemas.openxmlformats.org/drawingml/2006/main" xmlns:r="http://schemas.openxmlformats.org/officeDocument/2006/relationships" xmlns:p="http://schemas.openxmlformats.org/presentationml/2006/main">
+  <p:cSld>
+    <p:spTree>
+      <p:nvGrpSpPr>
+        <p:cNvPr id="1" name=""/>
+        <p:cNvGrpSpPr/>
+        <p:nvPr/>
+      </p:nvGrpSpPr>
+      <p:grpSpPr>
+        <a:xfrm>
+          <a:off x="0" y="0"/>
+          <a:ext cx="0" cy="0"/>
+          <a:chOff x="0" y="0"/>
+          <a:chExt cx="0" cy="0"/>
+        </a:xfrm>
+      </p:grpSpPr>
+      <p:sp>
+        <p:nvSpPr>
+          <p:cNvPr id="119" name="Introduction to Computer Programming Lecture 2:…"/>
+          <p:cNvSpPr txBox="1">
+            <a:spLocks noGrp="1"/>
+          </p:cNvSpPr>
+          <p:nvPr>
+            <p:ph type="ctrTitle"/>
+          </p:nvPr>
+        </p:nvSpPr>
+        <p:spPr>
+          <a:xfrm>
+            <a:off x="2730501" y="2016123"/>
+            <a:ext cx="7848601" cy="2476500"/>
+          </a:xfrm>
+          <a:prstGeom prst="rect">
+            <a:avLst/>
+          </a:prstGeom>
+        </p:spPr>
+        <p:txBody>
+          <a:bodyPr>
+            <a:normAutofit fontScale="90000"/>
+          </a:bodyPr>
+          <a:lstStyle/>
+          <a:p>
+            <a:pPr defTabSz="227836">
+              <a:defRPr sz="4160"/>
+            </a:pPr>
+            <a:r>
+              <a:rPr dirty="0"/>
+              <a:t>Introduction to Computer Programming Lecture </a:t>
+            </a:r>
+            <a:r>
+              <a:rPr lang="en-GB" dirty="0" smtClean="0"/>
+              <a:t>3.1.a</a:t>
+            </a:r>
+            <a:r>
+              <a:rPr dirty="0" smtClean="0"/>
+              <a:t>:</a:t>
+            </a:r>
+            <a:endParaRPr dirty="0"/>
+          </a:p>
+          <a:p>
+            <a:pPr defTabSz="227836">
+              <a:defRPr sz="4160"/>
+            </a:pPr>
+            <a:r>
+              <a:rPr dirty="0"/>
+              <a:t> </a:t>
+            </a:r>
+          </a:p>
+          <a:p>
+            <a:pPr defTabSz="227836">
+              <a:defRPr sz="4160" b="1">
+                <a:latin typeface="Helvetica"/>
+                <a:ea typeface="Helvetica"/>
+                <a:cs typeface="Helvetica"/>
+                <a:sym typeface="Helvetica"/>
+              </a:defRPr>
+            </a:pPr>
+            <a:r>
+              <a:rPr lang="en-GB" dirty="0" smtClean="0"/>
+              <a:t>For Loops</a:t>
+            </a:r>
+            <a:endParaRPr dirty="0"/>
+          </a:p>
+        </p:txBody>
+      </p:sp>
+      <p:sp>
+        <p:nvSpPr>
+          <p:cNvPr id="120" name="Department of Engineering Mathematics"/>
+          <p:cNvSpPr txBox="1"/>
+          <p:nvPr/>
+        </p:nvSpPr>
+        <p:spPr>
+          <a:xfrm>
+            <a:off x="2578101" y="5499100"/>
+            <a:ext cx="7848601" cy="847726"/>
+          </a:xfrm>
+          <a:prstGeom prst="rect">
+            <a:avLst/>
+          </a:prstGeom>
+          <a:ln w="12700">
+            <a:miter lim="400000"/>
+          </a:ln>
+          <a:extLst>
+            <a:ext uri="{C572A759-6A51-4108-AA02-DFA0A04FC94B}">
+              <ma14:wrappingTextBoxFlag xmlns:ma14="http://schemas.microsoft.com/office/mac/drawingml/2011/main" val="1"/>
+            </a:ext>
+          </a:extLst>
+        </p:spPr>
+        <p:txBody>
+          <a:bodyPr lIns="38100" tIns="38100" rIns="38100" bIns="38100">
+            <a:normAutofit/>
+          </a:bodyPr>
+          <a:lstStyle/>
+          <a:p>
+            <a:pPr defTabSz="236600">
+              <a:defRPr sz="2268"/>
+            </a:pPr>
+            <a:r>
+              <a:rPr sz="1701" dirty="0"/>
+              <a:t>Department of Engineering Mathematics</a:t>
+            </a:r>
+          </a:p>
+          <a:p>
+            <a:pPr defTabSz="236600">
+              <a:defRPr sz="2268"/>
+            </a:pPr>
+            <a:endParaRPr sz="1701" dirty="0"/>
+          </a:p>
+        </p:txBody>
+      </p:sp>
+      <p:sp>
+        <p:nvSpPr>
+          <p:cNvPr id="122" name="Helmut Hauser"/>
+          <p:cNvSpPr txBox="1"/>
+          <p:nvPr/>
+        </p:nvSpPr>
+        <p:spPr>
+          <a:xfrm>
+            <a:off x="2730501" y="4995862"/>
+            <a:ext cx="7848601" cy="847725"/>
+          </a:xfrm>
+          <a:prstGeom prst="rect">
+            <a:avLst/>
+          </a:prstGeom>
+          <a:ln w="12700">
+            <a:miter lim="400000"/>
+          </a:ln>
+          <a:extLst>
+            <a:ext uri="{C572A759-6A51-4108-AA02-DFA0A04FC94B}">
+              <ma14:wrappingTextBoxFlag xmlns:ma14="http://schemas.microsoft.com/office/mac/drawingml/2011/main" val="1"/>
+            </a:ext>
+          </a:extLst>
+        </p:spPr>
+        <p:txBody>
+          <a:bodyPr lIns="38100" tIns="38100" rIns="38100" bIns="38100">
+            <a:normAutofit/>
+          </a:bodyPr>
+          <a:lstStyle/>
+          <a:p>
+            <a:pPr defTabSz="236600">
+              <a:defRPr sz="3294"/>
+            </a:pPr>
+            <a:r>
+              <a:rPr lang="en-GB" sz="2470" dirty="0"/>
+              <a:t>Hemma Philamore </a:t>
+            </a:r>
+            <a:endParaRPr sz="2470" dirty="0"/>
+          </a:p>
+          <a:p>
+            <a:pPr defTabSz="236600">
+              <a:defRPr sz="1728"/>
+            </a:pPr>
+            <a:endParaRPr sz="1296" dirty="0"/>
+          </a:p>
+        </p:txBody>
+      </p:sp>
+    </p:spTree>
+    <p:extLst>
+      <p:ext uri="{BB962C8B-B14F-4D97-AF65-F5344CB8AC3E}">
+        <p14:creationId xmlns:p14="http://schemas.microsoft.com/office/powerpoint/2010/main" val="1909931763"/>
+      </p:ext>
+    </p:extLst>
+  </p:cSld>
+  <p:clrMapOvr>
+    <a:masterClrMapping/>
+  </p:clrMapOvr>
+  <p:transition spd="med"/>
+</p:sld>
+</file>
+
+<file path=ppt/slides/slide3.xml><?xml version="1.0" encoding="utf-8"?>
 <p:sld xmlns:a="http://schemas.openxmlformats.org/drawingml/2006/main" xmlns:r="http://schemas.openxmlformats.org/officeDocument/2006/relationships" xmlns:p="http://schemas.openxmlformats.org/presentationml/2006/main">
   <p:cSld>
     <p:spTree>
@@ -6386,7 +7250,7 @@
 </p:sld>
 </file>
 
-<file path=ppt/slides/slide3.xml><?xml version="1.0" encoding="utf-8"?>
+<file path=ppt/slides/slide4.xml><?xml version="1.0" encoding="utf-8"?>
 <p:sld xmlns:a="http://schemas.openxmlformats.org/drawingml/2006/main" xmlns:r="http://schemas.openxmlformats.org/officeDocument/2006/relationships" xmlns:p="http://schemas.openxmlformats.org/presentationml/2006/main">
   <p:cSld>
     <p:spTree>
@@ -7274,7 +8138,7 @@
 </p:sld>
 </file>
 
-<file path=ppt/slides/slide4.xml><?xml version="1.0" encoding="utf-8"?>
+<file path=ppt/slides/slide5.xml><?xml version="1.0" encoding="utf-8"?>
 <p:sld xmlns:a="http://schemas.openxmlformats.org/drawingml/2006/main" xmlns:r="http://schemas.openxmlformats.org/officeDocument/2006/relationships" xmlns:p="http://schemas.openxmlformats.org/presentationml/2006/main">
   <p:cSld>
     <p:spTree>
@@ -7366,7 +8230,7 @@
 </p:sld>
 </file>
 
-<file path=ppt/slides/slide5.xml><?xml version="1.0" encoding="utf-8"?>
+<file path=ppt/slides/slide6.xml><?xml version="1.0" encoding="utf-8"?>
 <p:sld xmlns:a="http://schemas.openxmlformats.org/drawingml/2006/main" xmlns:r="http://schemas.openxmlformats.org/officeDocument/2006/relationships" xmlns:p="http://schemas.openxmlformats.org/presentationml/2006/main">
   <p:cSld>
     <p:spTree>
@@ -8960,7 +9824,7 @@
 </p:sld>
 </file>
 
-<file path=ppt/slides/slide6.xml><?xml version="1.0" encoding="utf-8"?>
+<file path=ppt/slides/slide7.xml><?xml version="1.0" encoding="utf-8"?>
 <p:sld xmlns:a="http://schemas.openxmlformats.org/drawingml/2006/main" xmlns:r="http://schemas.openxmlformats.org/officeDocument/2006/relationships" xmlns:p="http://schemas.openxmlformats.org/presentationml/2006/main">
   <p:cSld>
     <p:spTree>
@@ -9910,7 +10774,7 @@
 </p:sld>
 </file>
 
-<file path=ppt/slides/slide7.xml><?xml version="1.0" encoding="utf-8"?>
+<file path=ppt/slides/slide8.xml><?xml version="1.0" encoding="utf-8"?>
 <p:sld xmlns:a="http://schemas.openxmlformats.org/drawingml/2006/main" xmlns:r="http://schemas.openxmlformats.org/officeDocument/2006/relationships" xmlns:p="http://schemas.openxmlformats.org/presentationml/2006/main">
   <p:cSld>
     <p:spTree>
@@ -9998,7 +10862,7 @@
 </p:sld>
 </file>
 
-<file path=ppt/slides/slide8.xml><?xml version="1.0" encoding="utf-8"?>
+<file path=ppt/slides/slide9.xml><?xml version="1.0" encoding="utf-8"?>
 <p:sld xmlns:a="http://schemas.openxmlformats.org/drawingml/2006/main" xmlns:r="http://schemas.openxmlformats.org/officeDocument/2006/relationships" xmlns:p="http://schemas.openxmlformats.org/presentationml/2006/main">
   <p:cSld>
     <p:spTree>
@@ -10793,483 +11657,6 @@
       <p:bldP spid="213" grpId="1" animBg="1" advAuto="0"/>
       <p:bldP spid="214" grpId="2" animBg="1" advAuto="0"/>
     </p:bldLst>
-  </p:timing>
-</p:sld>
-</file>
-
-<file path=ppt/slides/slide9.xml><?xml version="1.0" encoding="utf-8"?>
-<p:sld xmlns:a="http://schemas.openxmlformats.org/drawingml/2006/main" xmlns:r="http://schemas.openxmlformats.org/officeDocument/2006/relationships" xmlns:p="http://schemas.openxmlformats.org/presentationml/2006/main">
-  <p:cSld>
-    <p:spTree>
-      <p:nvGrpSpPr>
-        <p:cNvPr id="1" name=""/>
-        <p:cNvGrpSpPr/>
-        <p:nvPr/>
-      </p:nvGrpSpPr>
-      <p:grpSpPr>
-        <a:xfrm>
-          <a:off x="0" y="0"/>
-          <a:ext cx="0" cy="0"/>
-          <a:chOff x="0" y="0"/>
-          <a:chExt cx="0" cy="0"/>
-        </a:xfrm>
-      </p:grpSpPr>
-      <p:pic>
-        <p:nvPicPr>
-          <p:cNvPr id="229" name="Image" descr="Image"/>
-          <p:cNvPicPr>
-            <a:picLocks noChangeAspect="1"/>
-          </p:cNvPicPr>
-          <p:nvPr/>
-        </p:nvPicPr>
-        <p:blipFill>
-          <a:blip r:embed="rId2">
-            <a:extLst/>
-          </a:blip>
-          <a:stretch>
-            <a:fillRect/>
-          </a:stretch>
-        </p:blipFill>
-        <p:spPr>
-          <a:xfrm>
-            <a:off x="3257021" y="4040196"/>
-            <a:ext cx="4821022" cy="2859618"/>
-          </a:xfrm>
-          <a:prstGeom prst="rect">
-            <a:avLst/>
-          </a:prstGeom>
-          <a:ln w="12700">
-            <a:miter lim="400000"/>
-          </a:ln>
-        </p:spPr>
-      </p:pic>
-      <p:sp>
-        <p:nvSpPr>
-          <p:cNvPr id="230" name="While Loop"/>
-          <p:cNvSpPr txBox="1">
-            <a:spLocks noGrp="1"/>
-          </p:cNvSpPr>
-          <p:nvPr>
-            <p:ph type="title"/>
-          </p:nvPr>
-        </p:nvSpPr>
-        <p:spPr>
-          <a:prstGeom prst="rect">
-            <a:avLst/>
-          </a:prstGeom>
-        </p:spPr>
-        <p:txBody>
-          <a:bodyPr/>
-          <a:lstStyle/>
-          <a:p>
-            <a:r>
-              <a:t>While Loop</a:t>
-            </a:r>
-          </a:p>
-        </p:txBody>
-      </p:sp>
-      <p:sp>
-        <p:nvSpPr>
-          <p:cNvPr id="12" name="Rounded Rectangle"/>
-          <p:cNvSpPr/>
-          <p:nvPr/>
-        </p:nvSpPr>
-        <p:spPr>
-          <a:xfrm>
-            <a:off x="4407871" y="4702931"/>
-            <a:ext cx="2192955" cy="452834"/>
-          </a:xfrm>
-          <a:prstGeom prst="roundRect">
-            <a:avLst>
-              <a:gd name="adj" fmla="val 33774"/>
-            </a:avLst>
-          </a:prstGeom>
-          <a:noFill/>
-          <a:ln w="38100" cap="flat">
-            <a:solidFill>
-              <a:schemeClr val="accent2"/>
-            </a:solidFill>
-            <a:prstDash val="solid"/>
-            <a:miter lim="400000"/>
-          </a:ln>
-          <a:effectLst>
-            <a:outerShdw blurRad="38100" dist="25400" dir="5400000" rotWithShape="0">
-              <a:srgbClr val="000000">
-                <a:alpha val="50000"/>
-              </a:srgbClr>
-            </a:outerShdw>
-          </a:effectLst>
-        </p:spPr>
-        <p:txBody>
-          <a:bodyPr wrap="square" lIns="35719" tIns="35719" rIns="35719" bIns="35719" numCol="1" anchor="ctr">
-            <a:noAutofit/>
-          </a:bodyPr>
-          <a:lstStyle/>
-          <a:p>
-            <a:pPr>
-              <a:defRPr sz="2400">
-                <a:solidFill>
-                  <a:srgbClr val="FFFFFF"/>
-                </a:solidFill>
-              </a:defRPr>
-            </a:pPr>
-            <a:endParaRPr sz="1687"/>
-          </a:p>
-        </p:txBody>
-      </p:sp>
-      <p:sp>
-        <p:nvSpPr>
-          <p:cNvPr id="13" name="TextBox 12"/>
-          <p:cNvSpPr txBox="1"/>
-          <p:nvPr/>
-        </p:nvSpPr>
-        <p:spPr>
-          <a:xfrm>
-            <a:off x="5605322" y="3529034"/>
-            <a:ext cx="1991007" cy="707886"/>
-          </a:xfrm>
-          <a:prstGeom prst="rect">
-            <a:avLst/>
-          </a:prstGeom>
-          <a:noFill/>
-        </p:spPr>
-        <p:txBody>
-          <a:bodyPr wrap="square" rtlCol="0">
-            <a:spAutoFit/>
-          </a:bodyPr>
-          <a:lstStyle/>
-          <a:p>
-            <a:pPr algn="l"/>
-            <a:r>
-              <a:rPr lang="en-US" sz="2000" b="1" i="1" smtClean="0">
-                <a:solidFill>
-                  <a:schemeClr val="accent2"/>
-                </a:solidFill>
-              </a:rPr>
-              <a:t>Condition when to stop</a:t>
-            </a:r>
-            <a:endParaRPr lang="en-US" sz="2000" b="1" i="1" dirty="0">
-              <a:solidFill>
-                <a:schemeClr val="accent2"/>
-              </a:solidFill>
-            </a:endParaRPr>
-          </a:p>
-        </p:txBody>
-      </p:sp>
-      <p:cxnSp>
-        <p:nvCxnSpPr>
-          <p:cNvPr id="14" name="Straight Arrow Connector 13"/>
-          <p:cNvCxnSpPr/>
-          <p:nvPr/>
-        </p:nvCxnSpPr>
-        <p:spPr>
-          <a:xfrm flipH="1">
-            <a:off x="5390178" y="4189622"/>
-            <a:ext cx="277354" cy="494991"/>
-          </a:xfrm>
-          <a:prstGeom prst="straightConnector1">
-            <a:avLst/>
-          </a:prstGeom>
-          <a:ln>
-            <a:solidFill>
-              <a:schemeClr val="accent2"/>
-            </a:solidFill>
-            <a:tailEnd type="triangle"/>
-          </a:ln>
-        </p:spPr>
-        <p:style>
-          <a:lnRef idx="1">
-            <a:schemeClr val="accent1"/>
-          </a:lnRef>
-          <a:fillRef idx="0">
-            <a:schemeClr val="accent1"/>
-          </a:fillRef>
-          <a:effectRef idx="0">
-            <a:schemeClr val="accent1"/>
-          </a:effectRef>
-          <a:fontRef idx="minor">
-            <a:schemeClr val="tx1"/>
-          </a:fontRef>
-        </p:style>
-      </p:cxnSp>
-      <p:sp>
-        <p:nvSpPr>
-          <p:cNvPr id="15" name="Rounded Rectangle"/>
-          <p:cNvSpPr/>
-          <p:nvPr/>
-        </p:nvSpPr>
-        <p:spPr>
-          <a:xfrm>
-            <a:off x="3647911" y="5666927"/>
-            <a:ext cx="3124365" cy="452834"/>
-          </a:xfrm>
-          <a:prstGeom prst="roundRect">
-            <a:avLst>
-              <a:gd name="adj" fmla="val 33774"/>
-            </a:avLst>
-          </a:prstGeom>
-          <a:noFill/>
-          <a:ln w="38100" cap="flat">
-            <a:solidFill>
-              <a:schemeClr val="accent2"/>
-            </a:solidFill>
-            <a:prstDash val="solid"/>
-            <a:miter lim="400000"/>
-          </a:ln>
-          <a:effectLst>
-            <a:outerShdw blurRad="38100" dist="25400" dir="5400000" rotWithShape="0">
-              <a:srgbClr val="000000">
-                <a:alpha val="50000"/>
-              </a:srgbClr>
-            </a:outerShdw>
-          </a:effectLst>
-        </p:spPr>
-        <p:txBody>
-          <a:bodyPr wrap="square" lIns="35719" tIns="35719" rIns="35719" bIns="35719" numCol="1" anchor="ctr">
-            <a:noAutofit/>
-          </a:bodyPr>
-          <a:lstStyle/>
-          <a:p>
-            <a:pPr>
-              <a:defRPr sz="2400">
-                <a:solidFill>
-                  <a:srgbClr val="FFFFFF"/>
-                </a:solidFill>
-              </a:defRPr>
-            </a:pPr>
-            <a:endParaRPr sz="1687"/>
-          </a:p>
-        </p:txBody>
-      </p:sp>
-      <p:cxnSp>
-        <p:nvCxnSpPr>
-          <p:cNvPr id="16" name="Straight Arrow Connector 15"/>
-          <p:cNvCxnSpPr/>
-          <p:nvPr/>
-        </p:nvCxnSpPr>
-        <p:spPr>
-          <a:xfrm flipH="1">
-            <a:off x="6768271" y="5245524"/>
-            <a:ext cx="277354" cy="494991"/>
-          </a:xfrm>
-          <a:prstGeom prst="straightConnector1">
-            <a:avLst/>
-          </a:prstGeom>
-          <a:ln>
-            <a:solidFill>
-              <a:schemeClr val="accent2"/>
-            </a:solidFill>
-            <a:tailEnd type="triangle"/>
-          </a:ln>
-        </p:spPr>
-        <p:style>
-          <a:lnRef idx="1">
-            <a:schemeClr val="accent1"/>
-          </a:lnRef>
-          <a:fillRef idx="0">
-            <a:schemeClr val="accent1"/>
-          </a:fillRef>
-          <a:effectRef idx="0">
-            <a:schemeClr val="accent1"/>
-          </a:effectRef>
-          <a:fontRef idx="minor">
-            <a:schemeClr val="tx1"/>
-          </a:fontRef>
-        </p:style>
-      </p:cxnSp>
-      <p:sp>
-        <p:nvSpPr>
-          <p:cNvPr id="17" name="TextBox 16"/>
-          <p:cNvSpPr txBox="1"/>
-          <p:nvPr/>
-        </p:nvSpPr>
-        <p:spPr>
-          <a:xfrm>
-            <a:off x="6961787" y="4537638"/>
-            <a:ext cx="2696048" cy="1323439"/>
-          </a:xfrm>
-          <a:prstGeom prst="rect">
-            <a:avLst/>
-          </a:prstGeom>
-          <a:noFill/>
-        </p:spPr>
-        <p:txBody>
-          <a:bodyPr wrap="square" rtlCol="0">
-            <a:spAutoFit/>
-          </a:bodyPr>
-          <a:lstStyle/>
-          <a:p>
-            <a:pPr algn="l"/>
-            <a:r>
-              <a:rPr lang="en-US" sz="2000" b="1" i="1" dirty="0" smtClean="0">
-                <a:solidFill>
-                  <a:schemeClr val="accent2"/>
-                </a:solidFill>
-              </a:rPr>
-              <a:t>Needs </a:t>
-            </a:r>
-            <a:r>
-              <a:rPr lang="en-US" sz="2000" b="1" i="1" dirty="0">
-                <a:solidFill>
-                  <a:schemeClr val="accent2"/>
-                </a:solidFill>
-              </a:rPr>
-              <a:t>to include changes </a:t>
-            </a:r>
-            <a:r>
-              <a:rPr lang="en-US" sz="2000" b="1" i="1" dirty="0" smtClean="0">
-                <a:solidFill>
-                  <a:schemeClr val="accent2"/>
-                </a:solidFill>
-              </a:rPr>
-              <a:t>such that </a:t>
-            </a:r>
-            <a:r>
-              <a:rPr lang="en-US" sz="2000" b="1" i="1" dirty="0">
-                <a:solidFill>
-                  <a:schemeClr val="accent2"/>
-                </a:solidFill>
-              </a:rPr>
-              <a:t>condition eventually can be met</a:t>
-            </a:r>
-          </a:p>
-        </p:txBody>
-      </p:sp>
-      <p:sp>
-        <p:nvSpPr>
-          <p:cNvPr id="10" name="Rounded Rectangle"/>
-          <p:cNvSpPr/>
-          <p:nvPr/>
-        </p:nvSpPr>
-        <p:spPr>
-          <a:xfrm>
-            <a:off x="3257021" y="4692387"/>
-            <a:ext cx="1150850" cy="452834"/>
-          </a:xfrm>
-          <a:prstGeom prst="roundRect">
-            <a:avLst>
-              <a:gd name="adj" fmla="val 33774"/>
-            </a:avLst>
-          </a:prstGeom>
-          <a:noFill/>
-          <a:ln w="38100" cap="flat">
-            <a:solidFill>
-              <a:schemeClr val="accent2"/>
-            </a:solidFill>
-            <a:prstDash val="solid"/>
-            <a:miter lim="400000"/>
-          </a:ln>
-          <a:effectLst>
-            <a:outerShdw blurRad="38100" dist="25400" dir="5400000" rotWithShape="0">
-              <a:srgbClr val="000000">
-                <a:alpha val="50000"/>
-              </a:srgbClr>
-            </a:outerShdw>
-          </a:effectLst>
-        </p:spPr>
-        <p:txBody>
-          <a:bodyPr wrap="square" lIns="35719" tIns="35719" rIns="35719" bIns="35719" numCol="1" anchor="ctr">
-            <a:noAutofit/>
-          </a:bodyPr>
-          <a:lstStyle/>
-          <a:p>
-            <a:pPr>
-              <a:defRPr sz="2400">
-                <a:solidFill>
-                  <a:srgbClr val="FFFFFF"/>
-                </a:solidFill>
-              </a:defRPr>
-            </a:pPr>
-            <a:endParaRPr sz="1687"/>
-          </a:p>
-        </p:txBody>
-      </p:sp>
-      <p:sp>
-        <p:nvSpPr>
-          <p:cNvPr id="11" name="TextBox 10"/>
-          <p:cNvSpPr txBox="1"/>
-          <p:nvPr/>
-        </p:nvSpPr>
-        <p:spPr>
-          <a:xfrm>
-            <a:off x="-123989" y="4170681"/>
-            <a:ext cx="3771900" cy="400110"/>
-          </a:xfrm>
-          <a:prstGeom prst="rect">
-            <a:avLst/>
-          </a:prstGeom>
-          <a:noFill/>
-        </p:spPr>
-        <p:txBody>
-          <a:bodyPr wrap="square" rtlCol="0">
-            <a:spAutoFit/>
-          </a:bodyPr>
-          <a:lstStyle/>
-          <a:p>
-            <a:r>
-              <a:rPr lang="en-US" sz="2000" b="1" i="1" dirty="0" smtClean="0">
-                <a:solidFill>
-                  <a:schemeClr val="accent2"/>
-                </a:solidFill>
-              </a:rPr>
-              <a:t>Keyword ‘while’</a:t>
-            </a:r>
-            <a:endParaRPr lang="en-US" sz="2000" b="1" i="1" dirty="0">
-              <a:solidFill>
-                <a:schemeClr val="accent2"/>
-              </a:solidFill>
-            </a:endParaRPr>
-          </a:p>
-        </p:txBody>
-      </p:sp>
-      <p:cxnSp>
-        <p:nvCxnSpPr>
-          <p:cNvPr id="18" name="Straight Arrow Connector 17"/>
-          <p:cNvCxnSpPr/>
-          <p:nvPr/>
-        </p:nvCxnSpPr>
-        <p:spPr>
-          <a:xfrm>
-            <a:off x="2623092" y="4479968"/>
-            <a:ext cx="569362" cy="335697"/>
-          </a:xfrm>
-          <a:prstGeom prst="straightConnector1">
-            <a:avLst/>
-          </a:prstGeom>
-          <a:ln>
-            <a:solidFill>
-              <a:schemeClr val="accent2"/>
-            </a:solidFill>
-            <a:tailEnd type="triangle"/>
-          </a:ln>
-        </p:spPr>
-        <p:style>
-          <a:lnRef idx="1">
-            <a:schemeClr val="accent1"/>
-          </a:lnRef>
-          <a:fillRef idx="0">
-            <a:schemeClr val="accent1"/>
-          </a:fillRef>
-          <a:effectRef idx="0">
-            <a:schemeClr val="accent1"/>
-          </a:effectRef>
-          <a:fontRef idx="minor">
-            <a:schemeClr val="tx1"/>
-          </a:fontRef>
-        </p:style>
-      </p:cxnSp>
-    </p:spTree>
-  </p:cSld>
-  <p:clrMapOvr>
-    <a:masterClrMapping/>
-  </p:clrMapOvr>
-  <p:transition spd="slow"/>
-  <p:timing>
-    <p:tnLst>
-      <p:par>
-        <p:cTn id="1" dur="indefinite" restart="never" fill="hold" nodeType="tmRoot"/>
-      </p:par>
-    </p:tnLst>
   </p:timing>
 </p:sld>
 </file>
